--- a/solutions/cisco/cyber-security/secure-access/presales/solution-briefing.pptx
+++ b/solutions/cisco/cyber-security/secure-access/presales/solution-briefing.pptx
@@ -4814,13 +4814,13 @@
           <a:p>
             <a:pPr lvl="1"/>
             <a:r>
-              <a:t>Cisco ISE 3615 appliances (primary + secondary HA) supporting 3000 concurrent endpoints</a:t>
+              <a:t>Cisco ISE 3615 appliances in HA configuration supporting 3000 endpoints</a:t>
             </a:r>
           </a:p>
           <a:p>
             <a:pPr lvl="1"/>
             <a:r>
-              <a:t>802.1X authentication with Active Directory integration for corporate users</a:t>
+              <a:t>802.1X authentication with Active Directory integration for users</a:t>
             </a:r>
           </a:p>
           <a:p>
@@ -4839,31 +4839,19 @@
           <a:p>
             <a:pPr lvl="1"/>
             <a:r>
-              <a:t>Identity Platform: Cisco Identity Services Engine (ISE) Plus</a:t>
+              <a:t>Platform: Cisco ISE Plus with 802.1X, MAB, BYOD, and guest access</a:t>
             </a:r>
           </a:p>
           <a:p>
             <a:pPr lvl="1"/>
             <a:r>
-              <a:t>Authentication: 802.1X wired/wireless, MAB for non-supplicant devices</a:t>
+              <a:t>Authorization: TrustSec security groups with policy-based access control</a:t>
             </a:r>
           </a:p>
           <a:p>
             <a:pPr lvl="1"/>
             <a:r>
-              <a:t>Authorization: TrustSec security groups with policy-based access control</a:t>
-            </a:r>
-          </a:p>
-          <a:p>
-            <a:pPr lvl="1"/>
-            <a:r>
-              <a:t>BYOD: Self-service onboarding with certificate provisioning for iOS/Android</a:t>
-            </a:r>
-          </a:p>
-          <a:p>
-            <a:pPr lvl="1"/>
-            <a:r>
-              <a:t>Guest: Sponsor-based workflow with time-limited access</a:t>
+              <a:t>Integration: Active Directory LDAP and certificate-based authentication</a:t>
             </a:r>
           </a:p>
         </p:txBody>
@@ -5692,7 +5680,7 @@
               <a:t>Client:</a:t>
             </a:r>
             <a:r>
-              <a:t> Multi-hospital healthcare system with 1200 users and 2500 devices including clinical systems, medical devices, and staff BYOD requiring HIPAA compliance and network segmentation</a:t>
+              <a:t> Multi-hospital system with 1200 users and 2500 devices</a:t>
             </a:r>
           </a:p>
           <a:p>
@@ -5702,7 +5690,7 @@
               <a:t>Challenge:</a:t>
             </a:r>
             <a:r>
-              <a:t> Unauthorized device access creating compliance risk with no visibility into network connections. Manual BYOD provisioning generating 150+ monthly helpdesk tickets. Medical IoT devices requiring network access without 802.1X support causing security gaps.</a:t>
+              <a:t> Unauthorized access creating compliance risk. 150+ monthly BYOD tickets. Medical IoT lacking 802.1X support.</a:t>
             </a:r>
           </a:p>
           <a:p>
@@ -5712,7 +5700,7 @@
               <a:t>Solution:</a:t>
             </a:r>
             <a:r>
-              <a:t> Deployed Cisco ISE with 802.1X authentication for corporate devices and MAB for medical IoT. Implemented self-service BYOD portal for iOS/Android with certificate provisioning. Configured TrustSec micro-segmentation isolating patient data networks from guest and IoT zones.</a:t>
+              <a:t> Cisco ISE with 802.1X, MAB for IoT, BYOD portal, TrustSec segmentation.</a:t>
             </a:r>
           </a:p>
           <a:p>
@@ -5722,7 +5710,7 @@
               <a:t>Results:</a:t>
             </a:r>
             <a:r>
-              <a:t> 100% device authentication compliance achieving HIPAA audit requirements. 78% reduction in helpdesk tickets (150 to 33 monthly) through self-service BYOD. 92% reduction in unauthorized access attempts detected and blocked. TrustSec segmentation preventing lateral movement between clinical and administrative networks. $82K annual savings with 22-month ROI.</a:t>
+              <a:t> 100% compliance. 78% ticket reduction (150 to 33). 92% fewer unauthorized access attempts. $82K savings, 22-month ROI.</a:t>
             </a:r>
           </a:p>
           <a:p>
@@ -5732,7 +5720,7 @@
               <a:t>Testimonial:</a:t>
             </a:r>
             <a:r>
-              <a:t> "ISE gave us the visibility and control we desperately needed for HIPAA compliance. The self-service BYOD portal eliminated a major helpdesk burden, and TrustSec segmentation protects our patient data without complex VLAN changes. Our audits are now straightforward with complete access logs." — </a:t>
+              <a:t> "ISE gave us HIPAA compliance visibility. The BYOD portal eliminated helpdesk burden, and TrustSec protects patient data without VLAN complexity." — </a:t>
             </a:r>
             <a:r>
               <a:rPr b="1"/>

--- a/solutions/cisco/cyber-security/secure-access/presales/solution-briefing.pptx
+++ b/solutions/cisco/cyber-security/secure-access/presales/solution-briefing.pptx
@@ -693,6 +693,39 @@
       </p:grpSpPr>
       <p:sp>
         <p:nvSpPr>
+          <p:cNvPr id="12" name="Picture Placeholder 13">
+            <a:extLst>
+              <a:ext uri="{FF2B5EF4-FFF2-40B4-BE49-F238E27FC236}">
+                <a16:creationId xmlns:a16="http://schemas.microsoft.com/office/drawing/2014/main" id="{2DB97592-C4D5-B315-7F11-AA14F6EE8A62}"/>
+              </a:ext>
+            </a:extLst>
+          </p:cNvPr>
+          <p:cNvSpPr>
+            <a:spLocks noGrp="1"/>
+          </p:cNvSpPr>
+          <p:nvPr>
+            <p:ph type="pic" sz="quarter" idx="13"/>
+          </p:nvPr>
+        </p:nvSpPr>
+        <p:spPr>
+          <a:xfrm>
+            <a:off x="313593" y="4536078"/>
+            <a:ext cx="2143858" cy="529698"/>
+          </a:xfrm>
+          <a:prstGeom prst="rect">
+            <a:avLst/>
+          </a:prstGeom>
+        </p:spPr>
+        <p:txBody>
+          <a:bodyPr/>
+          <a:lstStyle/>
+          <a:p>
+            <a:endParaRPr lang="en-US" dirty="0"/>
+          </a:p>
+        </p:txBody>
+      </p:sp>
+      <p:sp>
+        <p:nvSpPr>
           <p:cNvPr id="3" name="Shape 1">
             <a:extLst>
               <a:ext uri="{FF2B5EF4-FFF2-40B4-BE49-F238E27FC236}">
@@ -782,39 +815,6 @@
               <a:rPr lang="en-US" dirty="0"/>
               <a:t>Slide Title</a:t>
             </a:r>
-          </a:p>
-        </p:txBody>
-      </p:sp>
-      <p:sp>
-        <p:nvSpPr>
-          <p:cNvPr id="12" name="Picture Placeholder 13">
-            <a:extLst>
-              <a:ext uri="{FF2B5EF4-FFF2-40B4-BE49-F238E27FC236}">
-                <a16:creationId xmlns:a16="http://schemas.microsoft.com/office/drawing/2014/main" id="{2DB97592-C4D5-B315-7F11-AA14F6EE8A62}"/>
-              </a:ext>
-            </a:extLst>
-          </p:cNvPr>
-          <p:cNvSpPr>
-            <a:spLocks noGrp="1"/>
-          </p:cNvSpPr>
-          <p:nvPr>
-            <p:ph type="pic" sz="quarter" idx="13"/>
-          </p:nvPr>
-        </p:nvSpPr>
-        <p:spPr>
-          <a:xfrm>
-            <a:off x="313593" y="4536078"/>
-            <a:ext cx="2143858" cy="529698"/>
-          </a:xfrm>
-          <a:prstGeom prst="rect">
-            <a:avLst/>
-          </a:prstGeom>
-        </p:spPr>
-        <p:txBody>
-          <a:bodyPr/>
-          <a:lstStyle/>
-          <a:p>
-            <a:endParaRPr lang="en-US" dirty="0"/>
           </a:p>
         </p:txBody>
       </p:sp>
@@ -971,6 +971,39 @@
       </p:grpSpPr>
       <p:sp>
         <p:nvSpPr>
+          <p:cNvPr id="12" name="Picture Placeholder 13">
+            <a:extLst>
+              <a:ext uri="{FF2B5EF4-FFF2-40B4-BE49-F238E27FC236}">
+                <a16:creationId xmlns:a16="http://schemas.microsoft.com/office/drawing/2014/main" id="{2DB97592-C4D5-B315-7F11-AA14F6EE8A62}"/>
+              </a:ext>
+            </a:extLst>
+          </p:cNvPr>
+          <p:cNvSpPr>
+            <a:spLocks noGrp="1"/>
+          </p:cNvSpPr>
+          <p:nvPr>
+            <p:ph type="pic" sz="quarter" idx="13"/>
+          </p:nvPr>
+        </p:nvSpPr>
+        <p:spPr>
+          <a:xfrm>
+            <a:off x="313593" y="4536078"/>
+            <a:ext cx="2143858" cy="529698"/>
+          </a:xfrm>
+          <a:prstGeom prst="rect">
+            <a:avLst/>
+          </a:prstGeom>
+        </p:spPr>
+        <p:txBody>
+          <a:bodyPr/>
+          <a:lstStyle/>
+          <a:p>
+            <a:endParaRPr lang="en-US" dirty="0"/>
+          </a:p>
+        </p:txBody>
+      </p:sp>
+      <p:sp>
+        <p:nvSpPr>
           <p:cNvPr id="3" name="Shape 1">
             <a:extLst>
               <a:ext uri="{FF2B5EF4-FFF2-40B4-BE49-F238E27FC236}">
@@ -1060,39 +1093,6 @@
               <a:rPr lang="en-US" dirty="0"/>
               <a:t>Bullet Points</a:t>
             </a:r>
-          </a:p>
-        </p:txBody>
-      </p:sp>
-      <p:sp>
-        <p:nvSpPr>
-          <p:cNvPr id="12" name="Picture Placeholder 13">
-            <a:extLst>
-              <a:ext uri="{FF2B5EF4-FFF2-40B4-BE49-F238E27FC236}">
-                <a16:creationId xmlns:a16="http://schemas.microsoft.com/office/drawing/2014/main" id="{2DB97592-C4D5-B315-7F11-AA14F6EE8A62}"/>
-              </a:ext>
-            </a:extLst>
-          </p:cNvPr>
-          <p:cNvSpPr>
-            <a:spLocks noGrp="1"/>
-          </p:cNvSpPr>
-          <p:nvPr>
-            <p:ph type="pic" sz="quarter" idx="13"/>
-          </p:nvPr>
-        </p:nvSpPr>
-        <p:spPr>
-          <a:xfrm>
-            <a:off x="313593" y="4536078"/>
-            <a:ext cx="2143858" cy="529698"/>
-          </a:xfrm>
-          <a:prstGeom prst="rect">
-            <a:avLst/>
-          </a:prstGeom>
-        </p:spPr>
-        <p:txBody>
-          <a:bodyPr/>
-          <a:lstStyle/>
-          <a:p>
-            <a:endParaRPr lang="en-US" dirty="0"/>
           </a:p>
         </p:txBody>
       </p:sp>
@@ -1235,6 +1235,39 @@
       </p:grpSpPr>
       <p:sp>
         <p:nvSpPr>
+          <p:cNvPr id="10" name="Picture Placeholder 13">
+            <a:extLst>
+              <a:ext uri="{FF2B5EF4-FFF2-40B4-BE49-F238E27FC236}">
+                <a16:creationId xmlns:a16="http://schemas.microsoft.com/office/drawing/2014/main" id="{6A0FA445-7602-F06E-EC73-5504EBF827CC}"/>
+              </a:ext>
+            </a:extLst>
+          </p:cNvPr>
+          <p:cNvSpPr>
+            <a:spLocks noGrp="1"/>
+          </p:cNvSpPr>
+          <p:nvPr>
+            <p:ph type="pic" sz="quarter" idx="14"/>
+          </p:nvPr>
+        </p:nvSpPr>
+        <p:spPr>
+          <a:xfrm>
+            <a:off x="313592" y="4536078"/>
+            <a:ext cx="2121877" cy="529698"/>
+          </a:xfrm>
+          <a:prstGeom prst="rect">
+            <a:avLst/>
+          </a:prstGeom>
+        </p:spPr>
+        <p:txBody>
+          <a:bodyPr/>
+          <a:lstStyle/>
+          <a:p>
+            <a:endParaRPr lang="en-US" dirty="0"/>
+          </a:p>
+        </p:txBody>
+      </p:sp>
+      <p:sp>
+        <p:nvSpPr>
           <p:cNvPr id="3" name="Shape 1">
             <a:extLst>
               <a:ext uri="{FF2B5EF4-FFF2-40B4-BE49-F238E27FC236}">
@@ -1324,39 +1357,6 @@
               <a:rPr lang="en-US" dirty="0"/>
               <a:t>Two Column Layout</a:t>
             </a:r>
-          </a:p>
-        </p:txBody>
-      </p:sp>
-      <p:sp>
-        <p:nvSpPr>
-          <p:cNvPr id="10" name="Picture Placeholder 13">
-            <a:extLst>
-              <a:ext uri="{FF2B5EF4-FFF2-40B4-BE49-F238E27FC236}">
-                <a16:creationId xmlns:a16="http://schemas.microsoft.com/office/drawing/2014/main" id="{6A0FA445-7602-F06E-EC73-5504EBF827CC}"/>
-              </a:ext>
-            </a:extLst>
-          </p:cNvPr>
-          <p:cNvSpPr>
-            <a:spLocks noGrp="1"/>
-          </p:cNvSpPr>
-          <p:nvPr>
-            <p:ph type="pic" sz="quarter" idx="14"/>
-          </p:nvPr>
-        </p:nvSpPr>
-        <p:spPr>
-          <a:xfrm>
-            <a:off x="313592" y="4536078"/>
-            <a:ext cx="2121877" cy="529698"/>
-          </a:xfrm>
-          <a:prstGeom prst="rect">
-            <a:avLst/>
-          </a:prstGeom>
-        </p:spPr>
-        <p:txBody>
-          <a:bodyPr/>
-          <a:lstStyle/>
-          <a:p>
-            <a:endParaRPr lang="en-US" dirty="0"/>
           </a:p>
         </p:txBody>
       </p:sp>
@@ -1604,6 +1604,39 @@
       </p:grpSpPr>
       <p:sp>
         <p:nvSpPr>
+          <p:cNvPr id="12" name="Picture Placeholder 13">
+            <a:extLst>
+              <a:ext uri="{FF2B5EF4-FFF2-40B4-BE49-F238E27FC236}">
+                <a16:creationId xmlns:a16="http://schemas.microsoft.com/office/drawing/2014/main" id="{2DB97592-C4D5-B315-7F11-AA14F6EE8A62}"/>
+              </a:ext>
+            </a:extLst>
+          </p:cNvPr>
+          <p:cNvSpPr>
+            <a:spLocks noGrp="1"/>
+          </p:cNvSpPr>
+          <p:nvPr>
+            <p:ph type="pic" sz="quarter" idx="13"/>
+          </p:nvPr>
+        </p:nvSpPr>
+        <p:spPr>
+          <a:xfrm>
+            <a:off x="313592" y="4536078"/>
+            <a:ext cx="2126273" cy="529698"/>
+          </a:xfrm>
+          <a:prstGeom prst="rect">
+            <a:avLst/>
+          </a:prstGeom>
+        </p:spPr>
+        <p:txBody>
+          <a:bodyPr/>
+          <a:lstStyle/>
+          <a:p>
+            <a:endParaRPr lang="en-US" dirty="0"/>
+          </a:p>
+        </p:txBody>
+      </p:sp>
+      <p:sp>
+        <p:nvSpPr>
           <p:cNvPr id="3" name="Shape 1">
             <a:extLst>
               <a:ext uri="{FF2B5EF4-FFF2-40B4-BE49-F238E27FC236}">
@@ -1719,39 +1752,6 @@
           </a:p>
           <a:p>
             <a:pPr lvl="0"/>
-            <a:endParaRPr lang="en-US" dirty="0"/>
-          </a:p>
-        </p:txBody>
-      </p:sp>
-      <p:sp>
-        <p:nvSpPr>
-          <p:cNvPr id="12" name="Picture Placeholder 13">
-            <a:extLst>
-              <a:ext uri="{FF2B5EF4-FFF2-40B4-BE49-F238E27FC236}">
-                <a16:creationId xmlns:a16="http://schemas.microsoft.com/office/drawing/2014/main" id="{2DB97592-C4D5-B315-7F11-AA14F6EE8A62}"/>
-              </a:ext>
-            </a:extLst>
-          </p:cNvPr>
-          <p:cNvSpPr>
-            <a:spLocks noGrp="1"/>
-          </p:cNvSpPr>
-          <p:nvPr>
-            <p:ph type="pic" sz="quarter" idx="13"/>
-          </p:nvPr>
-        </p:nvSpPr>
-        <p:spPr>
-          <a:xfrm>
-            <a:off x="313592" y="4536078"/>
-            <a:ext cx="2126273" cy="529698"/>
-          </a:xfrm>
-          <a:prstGeom prst="rect">
-            <a:avLst/>
-          </a:prstGeom>
-        </p:spPr>
-        <p:txBody>
-          <a:bodyPr/>
-          <a:lstStyle/>
-          <a:p>
             <a:endParaRPr lang="en-US" dirty="0"/>
           </a:p>
         </p:txBody>
@@ -1863,6 +1863,39 @@
       </p:grpSpPr>
       <p:sp>
         <p:nvSpPr>
+          <p:cNvPr id="10" name="Picture Placeholder 13">
+            <a:extLst>
+              <a:ext uri="{FF2B5EF4-FFF2-40B4-BE49-F238E27FC236}">
+                <a16:creationId xmlns:a16="http://schemas.microsoft.com/office/drawing/2014/main" id="{6A0FA445-7602-F06E-EC73-5504EBF827CC}"/>
+              </a:ext>
+            </a:extLst>
+          </p:cNvPr>
+          <p:cNvSpPr>
+            <a:spLocks noGrp="1"/>
+          </p:cNvSpPr>
+          <p:nvPr>
+            <p:ph type="pic" sz="quarter" idx="14"/>
+          </p:nvPr>
+        </p:nvSpPr>
+        <p:spPr>
+          <a:xfrm>
+            <a:off x="313592" y="4536078"/>
+            <a:ext cx="2130670" cy="529698"/>
+          </a:xfrm>
+          <a:prstGeom prst="rect">
+            <a:avLst/>
+          </a:prstGeom>
+        </p:spPr>
+        <p:txBody>
+          <a:bodyPr/>
+          <a:lstStyle/>
+          <a:p>
+            <a:endParaRPr lang="en-US" dirty="0"/>
+          </a:p>
+        </p:txBody>
+      </p:sp>
+      <p:sp>
+        <p:nvSpPr>
           <p:cNvPr id="3" name="Shape 1">
             <a:extLst>
               <a:ext uri="{FF2B5EF4-FFF2-40B4-BE49-F238E27FC236}">
@@ -1952,39 +1985,6 @@
               <a:rPr lang="en-US" dirty="0"/>
               <a:t>Visual Content</a:t>
             </a:r>
-          </a:p>
-        </p:txBody>
-      </p:sp>
-      <p:sp>
-        <p:nvSpPr>
-          <p:cNvPr id="10" name="Picture Placeholder 13">
-            <a:extLst>
-              <a:ext uri="{FF2B5EF4-FFF2-40B4-BE49-F238E27FC236}">
-                <a16:creationId xmlns:a16="http://schemas.microsoft.com/office/drawing/2014/main" id="{6A0FA445-7602-F06E-EC73-5504EBF827CC}"/>
-              </a:ext>
-            </a:extLst>
-          </p:cNvPr>
-          <p:cNvSpPr>
-            <a:spLocks noGrp="1"/>
-          </p:cNvSpPr>
-          <p:nvPr>
-            <p:ph type="pic" sz="quarter" idx="14"/>
-          </p:nvPr>
-        </p:nvSpPr>
-        <p:spPr>
-          <a:xfrm>
-            <a:off x="313592" y="4536078"/>
-            <a:ext cx="2130670" cy="529698"/>
-          </a:xfrm>
-          <a:prstGeom prst="rect">
-            <a:avLst/>
-          </a:prstGeom>
-        </p:spPr>
-        <p:txBody>
-          <a:bodyPr/>
-          <a:lstStyle/>
-          <a:p>
-            <a:endParaRPr lang="en-US" dirty="0"/>
           </a:p>
         </p:txBody>
       </p:sp>
@@ -2180,6 +2180,39 @@
       </p:grpSpPr>
       <p:sp>
         <p:nvSpPr>
+          <p:cNvPr id="10" name="Picture Placeholder 13">
+            <a:extLst>
+              <a:ext uri="{FF2B5EF4-FFF2-40B4-BE49-F238E27FC236}">
+                <a16:creationId xmlns:a16="http://schemas.microsoft.com/office/drawing/2014/main" id="{6A0FA445-7602-F06E-EC73-5504EBF827CC}"/>
+              </a:ext>
+            </a:extLst>
+          </p:cNvPr>
+          <p:cNvSpPr>
+            <a:spLocks noGrp="1"/>
+          </p:cNvSpPr>
+          <p:nvPr>
+            <p:ph type="pic" sz="quarter" idx="14"/>
+          </p:nvPr>
+        </p:nvSpPr>
+        <p:spPr>
+          <a:xfrm>
+            <a:off x="313592" y="4536078"/>
+            <a:ext cx="2104294" cy="529698"/>
+          </a:xfrm>
+          <a:prstGeom prst="rect">
+            <a:avLst/>
+          </a:prstGeom>
+        </p:spPr>
+        <p:txBody>
+          <a:bodyPr/>
+          <a:lstStyle/>
+          <a:p>
+            <a:endParaRPr lang="en-US" dirty="0"/>
+          </a:p>
+        </p:txBody>
+      </p:sp>
+      <p:sp>
+        <p:nvSpPr>
           <p:cNvPr id="3" name="Shape 1">
             <a:extLst>
               <a:ext uri="{FF2B5EF4-FFF2-40B4-BE49-F238E27FC236}">
@@ -2269,39 +2302,6 @@
               <a:rPr lang="en-US" dirty="0"/>
               <a:t>Data Visualization</a:t>
             </a:r>
-          </a:p>
-        </p:txBody>
-      </p:sp>
-      <p:sp>
-        <p:nvSpPr>
-          <p:cNvPr id="10" name="Picture Placeholder 13">
-            <a:extLst>
-              <a:ext uri="{FF2B5EF4-FFF2-40B4-BE49-F238E27FC236}">
-                <a16:creationId xmlns:a16="http://schemas.microsoft.com/office/drawing/2014/main" id="{6A0FA445-7602-F06E-EC73-5504EBF827CC}"/>
-              </a:ext>
-            </a:extLst>
-          </p:cNvPr>
-          <p:cNvSpPr>
-            <a:spLocks noGrp="1"/>
-          </p:cNvSpPr>
-          <p:nvPr>
-            <p:ph type="pic" sz="quarter" idx="14"/>
-          </p:nvPr>
-        </p:nvSpPr>
-        <p:spPr>
-          <a:xfrm>
-            <a:off x="313592" y="4536078"/>
-            <a:ext cx="2104294" cy="529698"/>
-          </a:xfrm>
-          <a:prstGeom prst="rect">
-            <a:avLst/>
-          </a:prstGeom>
-        </p:spPr>
-        <p:txBody>
-          <a:bodyPr/>
-          <a:lstStyle/>
-          <a:p>
-            <a:endParaRPr lang="en-US" dirty="0"/>
           </a:p>
         </p:txBody>
       </p:sp>
@@ -3423,7 +3423,7 @@
       <p:grpSpPr/>
       <p:sp>
         <p:nvSpPr>
-          <p:cNvPr id="2" name="Text Placeholder 1"/>
+          <p:cNvPr id="3" name="Text Placeholder 2"/>
           <p:cNvSpPr>
             <a:spLocks noGrp="1"/>
           </p:cNvSpPr>
@@ -3727,7 +3727,7 @@
       <p:grpSpPr/>
       <p:sp>
         <p:nvSpPr>
-          <p:cNvPr id="2" name="Text Placeholder 1"/>
+          <p:cNvPr id="3" name="Text Placeholder 2"/>
           <p:cNvSpPr>
             <a:spLocks noGrp="1"/>
           </p:cNvSpPr>
@@ -3902,7 +3902,7 @@
       <p:grpSpPr/>
       <p:sp>
         <p:nvSpPr>
-          <p:cNvPr id="2" name="Text Placeholder 1"/>
+          <p:cNvPr id="3" name="Text Placeholder 2"/>
           <p:cNvSpPr>
             <a:spLocks noGrp="1"/>
           </p:cNvSpPr>
@@ -4770,7 +4770,7 @@
       <p:grpSpPr/>
       <p:sp>
         <p:nvSpPr>
-          <p:cNvPr id="2" name="Text Placeholder 1"/>
+          <p:cNvPr id="3" name="Text Placeholder 2"/>
           <p:cNvSpPr>
             <a:spLocks noGrp="1"/>
           </p:cNvSpPr>
@@ -4959,7 +4959,7 @@
       <p:grpSpPr/>
       <p:sp>
         <p:nvSpPr>
-          <p:cNvPr id="2" name="Text Placeholder 1"/>
+          <p:cNvPr id="3" name="Text Placeholder 2"/>
           <p:cNvSpPr>
             <a:spLocks noGrp="1"/>
           </p:cNvSpPr>
@@ -5143,7 +5143,7 @@
       <p:grpSpPr/>
       <p:sp>
         <p:nvSpPr>
-          <p:cNvPr id="2" name="Text Placeholder 1"/>
+          <p:cNvPr id="3" name="Text Placeholder 2"/>
           <p:cNvSpPr>
             <a:spLocks noGrp="1"/>
           </p:cNvSpPr>
@@ -5632,7 +5632,7 @@
       <p:grpSpPr/>
       <p:sp>
         <p:nvSpPr>
-          <p:cNvPr id="2" name="Text Placeholder 1"/>
+          <p:cNvPr id="3" name="Text Placeholder 2"/>
           <p:cNvSpPr>
             <a:spLocks noGrp="1"/>
           </p:cNvSpPr>
@@ -5805,7 +5805,7 @@
       <p:grpSpPr/>
       <p:sp>
         <p:nvSpPr>
-          <p:cNvPr id="2" name="Text Placeholder 1"/>
+          <p:cNvPr id="3" name="Text Placeholder 2"/>
           <p:cNvSpPr>
             <a:spLocks noGrp="1"/>
           </p:cNvSpPr>
@@ -5992,7 +5992,7 @@
       <p:grpSpPr/>
       <p:sp>
         <p:nvSpPr>
-          <p:cNvPr id="2" name="Text Placeholder 1"/>
+          <p:cNvPr id="3" name="Text Placeholder 2"/>
           <p:cNvSpPr>
             <a:spLocks noGrp="1"/>
           </p:cNvSpPr>

--- a/solutions/cisco/cyber-security/secure-access/presales/solution-briefing.pptx
+++ b/solutions/cisco/cyber-security/secure-access/presales/solution-briefing.pptx
@@ -3326,7 +3326,7 @@
           <a:lstStyle/>
           <a:p>
             <a:r>
-              <a:t>['Presenter Name'] | November 22, 2025</a:t>
+              <a:t>['Presenter Name'] | November 24, 2025</a:t>
             </a:r>
           </a:p>
         </p:txBody>
@@ -6215,7 +6215,7 @@
                     <a:p>
                       <a:r>
                         <a:rPr sz="1100"/>
-                        <a:t>$82,200</a:t>
+                        <a:t>$0</a:t>
                       </a:r>
                     </a:p>
                   </a:txBody>
@@ -6249,7 +6249,7 @@
                     <a:p>
                       <a:r>
                         <a:rPr sz="1100"/>
-                        <a:t>$82,200</a:t>
+                        <a:t>$0</a:t>
                       </a:r>
                     </a:p>
                   </a:txBody>
@@ -6300,7 +6300,7 @@
                     <a:p>
                       <a:r>
                         <a:rPr sz="1100"/>
-                        <a:t>$82,200</a:t>
+                        <a:t>$0</a:t>
                       </a:r>
                     </a:p>
                   </a:txBody>
@@ -6440,7 +6440,7 @@
                     <a:p>
                       <a:r>
                         <a:rPr sz="1100"/>
-                        <a:t>Software</a:t>
+                        <a:t>Software Licenses</a:t>
                       </a:r>
                     </a:p>
                   </a:txBody>
@@ -6561,7 +6561,7 @@
                     <a:p>
                       <a:r>
                         <a:rPr sz="1100"/>
-                        <a:t>Support</a:t>
+                        <a:t>Support &amp; Maintenance</a:t>
                       </a:r>
                     </a:p>
                   </a:txBody>
@@ -6699,7 +6699,7 @@
                     <a:p>
                       <a:r>
                         <a:rPr b="1" sz="1100"/>
-                        <a:t>$268,200</a:t>
+                        <a:t>$186,000</a:t>
                       </a:r>
                     </a:p>
                   </a:txBody>
@@ -6733,7 +6733,7 @@
                     <a:p>
                       <a:r>
                         <a:rPr b="1" sz="1100"/>
-                        <a:t>$258,200</a:t>
+                        <a:t>$176,000</a:t>
                       </a:r>
                     </a:p>
                   </a:txBody>
@@ -6784,7 +6784,7 @@
                     <a:p>
                       <a:r>
                         <a:rPr b="1" sz="1100"/>
-                        <a:t>$470,200</a:t>
+                        <a:t>$388,000</a:t>
                       </a:r>
                     </a:p>
                   </a:txBody>
